--- a/Class_Presentation.pptx
+++ b/Class_Presentation.pptx
@@ -5821,7 +5821,12 @@
             <p:ph type="title"/>
           </p:nvPr>
         </p:nvSpPr>
-        <p:spPr/>
+        <p:spPr>
+          <a:xfrm>
+            <a:off x="1069848" y="354301"/>
+            <a:ext cx="10058400" cy="1609344"/>
+          </a:xfrm>
+        </p:spPr>
         <p:txBody>
           <a:bodyPr/>
           <a:lstStyle/>
@@ -5849,14 +5854,14 @@
             <p:ph idx="1"/>
             <p:extLst>
               <p:ext uri="{D42A27DB-BD31-4B8C-83A1-F6EECF244321}">
-                <p14:modId xmlns:p14="http://schemas.microsoft.com/office/powerpoint/2010/main" val="1165831633"/>
+                <p14:modId xmlns:p14="http://schemas.microsoft.com/office/powerpoint/2010/main" val="3057368843"/>
               </p:ext>
             </p:extLst>
           </p:nvPr>
         </p:nvGraphicFramePr>
         <p:xfrm>
-          <a:off x="1069848" y="1751308"/>
-          <a:ext cx="10058400" cy="4867868"/>
+          <a:off x="1069848" y="1571625"/>
+          <a:ext cx="10058400" cy="5150421"/>
         </p:xfrm>
         <a:graphic>
           <a:graphicData uri="http://schemas.openxmlformats.org/drawingml/2006/table">
@@ -5894,7 +5899,7 @@
                   </a:extLst>
                 </a:gridCol>
               </a:tblGrid>
-              <a:tr h="681926">
+              <a:tr h="690159">
                 <a:tc>
                   <a:txBody>
                     <a:bodyPr/>
@@ -5910,39 +5915,42 @@
                     <a:bodyPr/>
                     <a:lstStyle/>
                     <a:p>
+                      <a:pPr algn="ctr"/>
                       <a:r>
                         <a:rPr lang="en-US" dirty="0"/>
                         <a:t>Wide Model</a:t>
                       </a:r>
                     </a:p>
                   </a:txBody>
-                  <a:tcPr/>
+                  <a:tcPr anchor="ctr"/>
                 </a:tc>
                 <a:tc>
                   <a:txBody>
                     <a:bodyPr/>
                     <a:lstStyle/>
                     <a:p>
+                      <a:pPr algn="ctr"/>
                       <a:r>
                         <a:rPr lang="en-US" dirty="0"/>
                         <a:t>Deep Model</a:t>
                       </a:r>
                     </a:p>
                   </a:txBody>
-                  <a:tcPr/>
+                  <a:tcPr anchor="ctr"/>
                 </a:tc>
                 <a:tc>
                   <a:txBody>
                     <a:bodyPr/>
                     <a:lstStyle/>
                     <a:p>
+                      <a:pPr algn="ctr"/>
                       <a:r>
                         <a:rPr lang="en-US" dirty="0"/>
                         <a:t>Wide + Deep</a:t>
                       </a:r>
                     </a:p>
                   </a:txBody>
-                  <a:tcPr/>
+                  <a:tcPr anchor="ctr"/>
                 </a:tc>
                 <a:extLst>
                   <a:ext uri="{0D108BD9-81ED-4DB2-BD59-A6C34878D82A}">
@@ -5956,13 +5964,14 @@
                     <a:bodyPr/>
                     <a:lstStyle/>
                     <a:p>
+                      <a:pPr algn="ctr"/>
                       <a:r>
                         <a:rPr lang="en-US" dirty="0"/>
-                        <a:t>Prediction</a:t>
+                        <a:t>Accuracy Score</a:t>
                       </a:r>
                     </a:p>
                   </a:txBody>
-                  <a:tcPr/>
+                  <a:tcPr anchor="ctr"/>
                 </a:tc>
                 <a:tc>
                   <a:txBody>
@@ -6381,7 +6390,7 @@
         </p:nvSpPr>
         <p:spPr>
           <a:xfrm>
-            <a:off x="759417" y="512064"/>
+            <a:off x="759417" y="293507"/>
             <a:ext cx="10368831" cy="1609344"/>
           </a:xfrm>
         </p:spPr>
@@ -6446,14 +6455,14 @@
           <p:nvPr>
             <p:extLst>
               <p:ext uri="{D42A27DB-BD31-4B8C-83A1-F6EECF244321}">
-                <p14:modId xmlns:p14="http://schemas.microsoft.com/office/powerpoint/2010/main" val="3917607082"/>
+                <p14:modId xmlns:p14="http://schemas.microsoft.com/office/powerpoint/2010/main" val="98506399"/>
               </p:ext>
             </p:extLst>
           </p:nvPr>
         </p:nvGraphicFramePr>
         <p:xfrm>
-          <a:off x="1069848" y="1751308"/>
-          <a:ext cx="10058400" cy="4867868"/>
+          <a:off x="1069848" y="1465558"/>
+          <a:ext cx="10058400" cy="5142188"/>
         </p:xfrm>
         <a:graphic>
           <a:graphicData uri="http://schemas.openxmlformats.org/drawingml/2006/table">
@@ -6507,39 +6516,42 @@
                     <a:bodyPr/>
                     <a:lstStyle/>
                     <a:p>
+                      <a:pPr algn="ctr"/>
                       <a:r>
                         <a:rPr lang="en-US" dirty="0"/>
                         <a:t>Wide Model</a:t>
                       </a:r>
                     </a:p>
                   </a:txBody>
-                  <a:tcPr/>
+                  <a:tcPr anchor="ctr"/>
                 </a:tc>
                 <a:tc>
                   <a:txBody>
                     <a:bodyPr/>
                     <a:lstStyle/>
                     <a:p>
+                      <a:pPr algn="ctr"/>
                       <a:r>
                         <a:rPr lang="en-US" dirty="0"/>
                         <a:t>Deep Model</a:t>
                       </a:r>
                     </a:p>
                   </a:txBody>
-                  <a:tcPr/>
+                  <a:tcPr anchor="ctr"/>
                 </a:tc>
                 <a:tc>
                   <a:txBody>
                     <a:bodyPr/>
                     <a:lstStyle/>
                     <a:p>
+                      <a:pPr algn="ctr"/>
                       <a:r>
                         <a:rPr lang="en-US" dirty="0"/>
                         <a:t>Wide + Deep</a:t>
                       </a:r>
                     </a:p>
                   </a:txBody>
-                  <a:tcPr/>
+                  <a:tcPr anchor="ctr"/>
                 </a:tc>
                 <a:extLst>
                   <a:ext uri="{0D108BD9-81ED-4DB2-BD59-A6C34878D82A}">
@@ -6553,13 +6565,14 @@
                     <a:bodyPr/>
                     <a:lstStyle/>
                     <a:p>
+                      <a:pPr algn="ctr"/>
                       <a:r>
                         <a:rPr lang="en-US" dirty="0"/>
-                        <a:t>Prediction</a:t>
+                        <a:t>Accuracy Score</a:t>
                       </a:r>
                     </a:p>
                   </a:txBody>
-                  <a:tcPr/>
+                  <a:tcPr anchor="ctr"/>
                 </a:tc>
                 <a:tc>
                   <a:txBody>
